--- a/工作日報_葉柏漢/2021.12/2021.12.01(加班)_2021.12.02工作日報_葉柏漢.pptx
+++ b/工作日報_葉柏漢/2021.12/2021.12.01(加班)_2021.12.02工作日報_葉柏漢.pptx
@@ -6,13 +6,14 @@
     <p:sldMasterId id="2147483660" r:id="rId2"/>
   </p:sldMasterIdLst>
   <p:notesMasterIdLst>
-    <p:notesMasterId r:id="rId7"/>
+    <p:notesMasterId r:id="rId8"/>
   </p:notesMasterIdLst>
   <p:sldIdLst>
     <p:sldId id="256" r:id="rId3"/>
     <p:sldId id="260" r:id="rId4"/>
     <p:sldId id="282" r:id="rId5"/>
-    <p:sldId id="280" r:id="rId6"/>
+    <p:sldId id="283" r:id="rId6"/>
+    <p:sldId id="280" r:id="rId7"/>
   </p:sldIdLst>
   <p:sldSz cx="12192000" cy="6858000"/>
   <p:notesSz cx="6858000" cy="9144000"/>
@@ -113,7 +114,7 @@
   </p:defaultTextStyle>
   <p:extLst>
     <p:ext uri="{EFAFB233-063F-42B5-8137-9DF3F51BA10A}">
-      <p15:sldGuideLst xmlns:p15="http://schemas.microsoft.com/office/powerpoint/2012/main" xmlns="">
+      <p15:sldGuideLst xmlns="" xmlns:p15="http://schemas.microsoft.com/office/powerpoint/2012/main">
         <p15:guide id="1" orient="horz" pos="2160" userDrawn="1">
           <p15:clr>
             <a:srgbClr val="A4A3A4"/>
@@ -212,7 +213,7 @@
           <a:p>
             <a:fld id="{5F45278C-940B-4C39-9CBC-669F45D4F0E2}" type="datetimeFigureOut">
               <a:rPr lang="zh-CN" altLang="en-US" smtClean="0"/>
-              <a:t>2021/12/1</a:t>
+              <a:t>2021/12/2</a:t>
             </a:fld>
             <a:endParaRPr lang="zh-CN" altLang="en-US"/>
           </a:p>
@@ -564,6 +565,90 @@
 </p:notes>
 </file>
 
+<file path=ppt/notesSlides/notesSlide2.xml><?xml version="1.0" encoding="utf-8"?>
+<p:notes xmlns:a="http://schemas.openxmlformats.org/drawingml/2006/main" xmlns:r="http://schemas.openxmlformats.org/officeDocument/2006/relationships" xmlns:p="http://schemas.openxmlformats.org/presentationml/2006/main">
+  <p:cSld>
+    <p:spTree>
+      <p:nvGrpSpPr>
+        <p:cNvPr id="1" name=""/>
+        <p:cNvGrpSpPr/>
+        <p:nvPr/>
+      </p:nvGrpSpPr>
+      <p:grpSpPr>
+        <a:xfrm>
+          <a:off x="0" y="0"/>
+          <a:ext cx="0" cy="0"/>
+          <a:chOff x="0" y="0"/>
+          <a:chExt cx="0" cy="0"/>
+        </a:xfrm>
+      </p:grpSpPr>
+      <p:sp>
+        <p:nvSpPr>
+          <p:cNvPr id="2" name="投影片圖像版面配置區 1"/>
+          <p:cNvSpPr>
+            <a:spLocks noGrp="1" noRot="1" noChangeAspect="1"/>
+          </p:cNvSpPr>
+          <p:nvPr>
+            <p:ph type="sldImg"/>
+          </p:nvPr>
+        </p:nvSpPr>
+        <p:spPr/>
+      </p:sp>
+      <p:sp>
+        <p:nvSpPr>
+          <p:cNvPr id="3" name="備忘稿版面配置區 2"/>
+          <p:cNvSpPr>
+            <a:spLocks noGrp="1"/>
+          </p:cNvSpPr>
+          <p:nvPr>
+            <p:ph type="body" idx="1"/>
+          </p:nvPr>
+        </p:nvSpPr>
+        <p:spPr/>
+        <p:txBody>
+          <a:bodyPr/>
+          <a:lstStyle/>
+          <a:p>
+            <a:endParaRPr lang="zh-TW" altLang="en-US" dirty="0"/>
+          </a:p>
+        </p:txBody>
+      </p:sp>
+      <p:sp>
+        <p:nvSpPr>
+          <p:cNvPr id="4" name="投影片編號版面配置區 3"/>
+          <p:cNvSpPr>
+            <a:spLocks noGrp="1"/>
+          </p:cNvSpPr>
+          <p:nvPr>
+            <p:ph type="sldNum" sz="quarter" idx="10"/>
+          </p:nvPr>
+        </p:nvSpPr>
+        <p:spPr/>
+        <p:txBody>
+          <a:bodyPr/>
+          <a:lstStyle/>
+          <a:p>
+            <a:fld id="{4D710183-7E5D-4282-9F1A-D4A1D08A6C67}" type="slidenum">
+              <a:rPr lang="zh-CN" altLang="en-US" smtClean="0"/>
+              <a:t>4</a:t>
+            </a:fld>
+            <a:endParaRPr lang="zh-CN" altLang="en-US"/>
+          </a:p>
+        </p:txBody>
+      </p:sp>
+    </p:spTree>
+    <p:extLst>
+      <p:ext uri="{BB962C8B-B14F-4D97-AF65-F5344CB8AC3E}">
+        <p14:creationId xmlns:p14="http://schemas.microsoft.com/office/powerpoint/2010/main" val="878027849"/>
+      </p:ext>
+    </p:extLst>
+  </p:cSld>
+  <p:clrMapOvr>
+    <a:masterClrMapping/>
+  </p:clrMapOvr>
+</p:notes>
+</file>
+
 <file path=ppt/slideLayouts/slideLayout1.xml><?xml version="1.0" encoding="utf-8"?>
 <p:sldLayout xmlns:a="http://schemas.openxmlformats.org/drawingml/2006/main" xmlns:r="http://schemas.openxmlformats.org/officeDocument/2006/relationships" xmlns:p="http://schemas.openxmlformats.org/presentationml/2006/main" type="title" preserve="1">
   <p:cSld name="标题幻灯片">
@@ -693,7 +778,7 @@
           <a:p>
             <a:fld id="{D997B5FA-0921-464F-AAE1-844C04324D75}" type="datetimeFigureOut">
               <a:rPr lang="zh-CN" altLang="en-US" smtClean="0"/>
-              <a:t>2021/12/1</a:t>
+              <a:t>2021/12/2</a:t>
             </a:fld>
             <a:endParaRPr lang="zh-CN" altLang="en-US"/>
           </a:p>
@@ -873,7 +958,7 @@
           <a:p>
             <a:fld id="{D997B5FA-0921-464F-AAE1-844C04324D75}" type="datetimeFigureOut">
               <a:rPr lang="zh-CN" altLang="en-US" smtClean="0"/>
-              <a:t>2021/12/1</a:t>
+              <a:t>2021/12/2</a:t>
             </a:fld>
             <a:endParaRPr lang="zh-CN" altLang="en-US"/>
           </a:p>
@@ -1063,7 +1148,7 @@
           <a:p>
             <a:fld id="{D997B5FA-0921-464F-AAE1-844C04324D75}" type="datetimeFigureOut">
               <a:rPr lang="zh-CN" altLang="en-US" smtClean="0"/>
-              <a:t>2021/12/1</a:t>
+              <a:t>2021/12/2</a:t>
             </a:fld>
             <a:endParaRPr lang="zh-CN" altLang="en-US"/>
           </a:p>
@@ -1274,7 +1359,7 @@
                 </a:solidFill>
               </a:rPr>
               <a:pPr/>
-              <a:t>2021/12/1</a:t>
+              <a:t>2021/12/2</a:t>
             </a:fld>
             <a:endParaRPr lang="zh-CN" altLang="en-US">
               <a:solidFill>
@@ -1506,7 +1591,7 @@
                 </a:solidFill>
               </a:rPr>
               <a:pPr/>
-              <a:t>2021/12/1</a:t>
+              <a:t>2021/12/2</a:t>
             </a:fld>
             <a:endParaRPr lang="zh-CN" altLang="en-US">
               <a:solidFill>
@@ -1737,7 +1822,7 @@
           <a:p>
             <a:fld id="{D997B5FA-0921-464F-AAE1-844C04324D75}" type="datetimeFigureOut">
               <a:rPr lang="zh-CN" altLang="en-US" smtClean="0"/>
-              <a:t>2021/12/1</a:t>
+              <a:t>2021/12/2</a:t>
             </a:fld>
             <a:endParaRPr lang="zh-CN" altLang="en-US"/>
           </a:p>
@@ -1994,7 +2079,7 @@
           <a:p>
             <a:fld id="{D997B5FA-0921-464F-AAE1-844C04324D75}" type="datetimeFigureOut">
               <a:rPr lang="zh-CN" altLang="en-US" smtClean="0"/>
-              <a:t>2021/12/1</a:t>
+              <a:t>2021/12/2</a:t>
             </a:fld>
             <a:endParaRPr lang="zh-CN" altLang="en-US"/>
           </a:p>
@@ -2235,7 +2320,7 @@
           <a:p>
             <a:fld id="{D997B5FA-0921-464F-AAE1-844C04324D75}" type="datetimeFigureOut">
               <a:rPr lang="zh-CN" altLang="en-US" smtClean="0"/>
-              <a:t>2021/12/1</a:t>
+              <a:t>2021/12/2</a:t>
             </a:fld>
             <a:endParaRPr lang="zh-CN" altLang="en-US"/>
           </a:p>
@@ -2611,7 +2696,7 @@
           <a:p>
             <a:fld id="{D997B5FA-0921-464F-AAE1-844C04324D75}" type="datetimeFigureOut">
               <a:rPr lang="zh-CN" altLang="en-US" smtClean="0"/>
-              <a:t>2021/12/1</a:t>
+              <a:t>2021/12/2</a:t>
             </a:fld>
             <a:endParaRPr lang="zh-CN" altLang="en-US"/>
           </a:p>
@@ -2865,7 +2950,7 @@
           <a:p>
             <a:fld id="{D997B5FA-0921-464F-AAE1-844C04324D75}" type="datetimeFigureOut">
               <a:rPr lang="zh-CN" altLang="en-US" smtClean="0"/>
-              <a:t>2021/12/1</a:t>
+              <a:t>2021/12/2</a:t>
             </a:fld>
             <a:endParaRPr lang="zh-CN" altLang="en-US"/>
           </a:p>
@@ -2972,7 +3057,7 @@
           <a:p>
             <a:fld id="{D997B5FA-0921-464F-AAE1-844C04324D75}" type="datetimeFigureOut">
               <a:rPr lang="zh-CN" altLang="en-US" smtClean="0"/>
-              <a:t>2021/12/1</a:t>
+              <a:t>2021/12/2</a:t>
             </a:fld>
             <a:endParaRPr lang="zh-CN" altLang="en-US"/>
           </a:p>
@@ -3259,7 +3344,7 @@
           <a:p>
             <a:fld id="{D997B5FA-0921-464F-AAE1-844C04324D75}" type="datetimeFigureOut">
               <a:rPr lang="zh-CN" altLang="en-US" smtClean="0"/>
-              <a:t>2021/12/1</a:t>
+              <a:t>2021/12/2</a:t>
             </a:fld>
             <a:endParaRPr lang="zh-CN" altLang="en-US"/>
           </a:p>
@@ -3523,7 +3608,7 @@
           <a:p>
             <a:fld id="{D997B5FA-0921-464F-AAE1-844C04324D75}" type="datetimeFigureOut">
               <a:rPr lang="zh-CN" altLang="en-US" smtClean="0"/>
-              <a:t>2021/12/1</a:t>
+              <a:t>2021/12/2</a:t>
             </a:fld>
             <a:endParaRPr lang="zh-CN" altLang="en-US"/>
           </a:p>
@@ -3749,7 +3834,7 @@
           <a:p>
             <a:fld id="{D997B5FA-0921-464F-AAE1-844C04324D75}" type="datetimeFigureOut">
               <a:rPr lang="zh-CN" altLang="en-US" smtClean="0"/>
-              <a:t>2021/12/1</a:t>
+              <a:t>2021/12/2</a:t>
             </a:fld>
             <a:endParaRPr lang="zh-CN" altLang="en-US"/>
           </a:p>
@@ -4459,7 +4544,7 @@
           <p:cNvPr id="18" name="矩形: 圆角 17">
             <a:extLst>
               <a:ext uri="{FF2B5EF4-FFF2-40B4-BE49-F238E27FC236}">
-                <a16:creationId xmlns:a16="http://schemas.microsoft.com/office/drawing/2014/main" xmlns="" id="{822EAB1A-0613-4B84-B43A-020769A84C2F}"/>
+                <a16:creationId xmlns="" xmlns:a16="http://schemas.microsoft.com/office/drawing/2014/main" id="{822EAB1A-0613-4B84-B43A-020769A84C2F}"/>
               </a:ext>
             </a:extLst>
           </p:cNvPr>
@@ -4525,7 +4610,7 @@
           <p:cNvPr id="4" name="矩形: 圆角 3">
             <a:extLst>
               <a:ext uri="{FF2B5EF4-FFF2-40B4-BE49-F238E27FC236}">
-                <a16:creationId xmlns:a16="http://schemas.microsoft.com/office/drawing/2014/main" xmlns="" id="{CFAF4C25-9AB4-4329-B21C-0F7CB88F0784}"/>
+                <a16:creationId xmlns="" xmlns:a16="http://schemas.microsoft.com/office/drawing/2014/main" id="{CFAF4C25-9AB4-4329-B21C-0F7CB88F0784}"/>
               </a:ext>
             </a:extLst>
           </p:cNvPr>
@@ -4591,7 +4676,7 @@
           <p:cNvPr id="5" name="文本框 4">
             <a:extLst>
               <a:ext uri="{FF2B5EF4-FFF2-40B4-BE49-F238E27FC236}">
-                <a16:creationId xmlns:a16="http://schemas.microsoft.com/office/drawing/2014/main" xmlns="" id="{959F8909-6800-4D81-9559-FFAEB41A80C1}"/>
+                <a16:creationId xmlns="" xmlns:a16="http://schemas.microsoft.com/office/drawing/2014/main" id="{959F8909-6800-4D81-9559-FFAEB41A80C1}"/>
               </a:ext>
             </a:extLst>
           </p:cNvPr>
@@ -4669,7 +4754,7 @@
           <p:cNvPr id="6" name="文本框 5">
             <a:extLst>
               <a:ext uri="{FF2B5EF4-FFF2-40B4-BE49-F238E27FC236}">
-                <a16:creationId xmlns:a16="http://schemas.microsoft.com/office/drawing/2014/main" xmlns="" id="{F8829203-F363-4337-ACAC-0D2C4AE6A337}"/>
+                <a16:creationId xmlns="" xmlns:a16="http://schemas.microsoft.com/office/drawing/2014/main" id="{F8829203-F363-4337-ACAC-0D2C4AE6A337}"/>
               </a:ext>
             </a:extLst>
           </p:cNvPr>
@@ -4736,7 +4821,7 @@
           <p:cNvPr id="8" name="椭圆 7">
             <a:extLst>
               <a:ext uri="{FF2B5EF4-FFF2-40B4-BE49-F238E27FC236}">
-                <a16:creationId xmlns:a16="http://schemas.microsoft.com/office/drawing/2014/main" xmlns="" id="{08B93554-9443-4291-83BC-91BEC5088783}"/>
+                <a16:creationId xmlns="" xmlns:a16="http://schemas.microsoft.com/office/drawing/2014/main" id="{08B93554-9443-4291-83BC-91BEC5088783}"/>
               </a:ext>
             </a:extLst>
           </p:cNvPr>
@@ -4798,7 +4883,7 @@
           <p:cNvPr id="9" name="椭圆 8">
             <a:extLst>
               <a:ext uri="{FF2B5EF4-FFF2-40B4-BE49-F238E27FC236}">
-                <a16:creationId xmlns:a16="http://schemas.microsoft.com/office/drawing/2014/main" xmlns="" id="{16338DEE-2916-4AC7-A537-1507B9F2A824}"/>
+                <a16:creationId xmlns="" xmlns:a16="http://schemas.microsoft.com/office/drawing/2014/main" id="{16338DEE-2916-4AC7-A537-1507B9F2A824}"/>
               </a:ext>
             </a:extLst>
           </p:cNvPr>
@@ -4860,7 +4945,7 @@
           <p:cNvPr id="13" name="组合 12">
             <a:extLst>
               <a:ext uri="{FF2B5EF4-FFF2-40B4-BE49-F238E27FC236}">
-                <a16:creationId xmlns:a16="http://schemas.microsoft.com/office/drawing/2014/main" xmlns="" id="{C0EF9AE3-F1B9-443C-9F86-CDF322936010}"/>
+                <a16:creationId xmlns="" xmlns:a16="http://schemas.microsoft.com/office/drawing/2014/main" id="{C0EF9AE3-F1B9-443C-9F86-CDF322936010}"/>
               </a:ext>
             </a:extLst>
           </p:cNvPr>
@@ -4880,7 +4965,7 @@
             <p:cNvPr id="12" name="矩形: 圆角 11">
               <a:extLst>
                 <a:ext uri="{FF2B5EF4-FFF2-40B4-BE49-F238E27FC236}">
-                  <a16:creationId xmlns:a16="http://schemas.microsoft.com/office/drawing/2014/main" xmlns="" id="{4E9D624C-B884-49D6-955A-058878E5E13C}"/>
+                  <a16:creationId xmlns="" xmlns:a16="http://schemas.microsoft.com/office/drawing/2014/main" id="{4E9D624C-B884-49D6-955A-058878E5E13C}"/>
                 </a:ext>
               </a:extLst>
             </p:cNvPr>
@@ -4944,7 +5029,7 @@
             <p:cNvPr id="10" name="文本框 9">
               <a:extLst>
                 <a:ext uri="{FF2B5EF4-FFF2-40B4-BE49-F238E27FC236}">
-                  <a16:creationId xmlns:a16="http://schemas.microsoft.com/office/drawing/2014/main" xmlns="" id="{D7F488F0-218D-4123-B444-742EAD00AD0E}"/>
+                  <a16:creationId xmlns="" xmlns:a16="http://schemas.microsoft.com/office/drawing/2014/main" id="{D7F488F0-218D-4123-B444-742EAD00AD0E}"/>
                 </a:ext>
               </a:extLst>
             </p:cNvPr>
@@ -5002,7 +5087,7 @@
           <p:cNvPr id="16" name="组合 15">
             <a:extLst>
               <a:ext uri="{FF2B5EF4-FFF2-40B4-BE49-F238E27FC236}">
-                <a16:creationId xmlns:a16="http://schemas.microsoft.com/office/drawing/2014/main" xmlns="" id="{9653DEAF-0910-48E8-8375-9FC078E9D0D6}"/>
+                <a16:creationId xmlns="" xmlns:a16="http://schemas.microsoft.com/office/drawing/2014/main" id="{9653DEAF-0910-48E8-8375-9FC078E9D0D6}"/>
               </a:ext>
             </a:extLst>
           </p:cNvPr>
@@ -5022,7 +5107,7 @@
             <p:cNvPr id="15" name="矩形: 圆角 14">
               <a:extLst>
                 <a:ext uri="{FF2B5EF4-FFF2-40B4-BE49-F238E27FC236}">
-                  <a16:creationId xmlns:a16="http://schemas.microsoft.com/office/drawing/2014/main" xmlns="" id="{CC29E14A-0550-4BFF-99D2-A94938E4EB84}"/>
+                  <a16:creationId xmlns="" xmlns:a16="http://schemas.microsoft.com/office/drawing/2014/main" id="{CC29E14A-0550-4BFF-99D2-A94938E4EB84}"/>
                 </a:ext>
               </a:extLst>
             </p:cNvPr>
@@ -5086,7 +5171,7 @@
             <p:cNvPr id="11" name="文本框 10">
               <a:extLst>
                 <a:ext uri="{FF2B5EF4-FFF2-40B4-BE49-F238E27FC236}">
-                  <a16:creationId xmlns:a16="http://schemas.microsoft.com/office/drawing/2014/main" xmlns="" id="{333307C3-A861-42E7-A2DA-6BAC1BCA9E3C}"/>
+                  <a16:creationId xmlns="" xmlns:a16="http://schemas.microsoft.com/office/drawing/2014/main" id="{333307C3-A861-42E7-A2DA-6BAC1BCA9E3C}"/>
                 </a:ext>
               </a:extLst>
             </p:cNvPr>
@@ -5144,7 +5229,7 @@
           <p:cNvPr id="17" name="组合 15">
             <a:extLst>
               <a:ext uri="{FF2B5EF4-FFF2-40B4-BE49-F238E27FC236}">
-                <a16:creationId xmlns:a16="http://schemas.microsoft.com/office/drawing/2014/main" xmlns="" id="{9653DEAF-0910-48E8-8375-9FC078E9D0D6}"/>
+                <a16:creationId xmlns="" xmlns:a16="http://schemas.microsoft.com/office/drawing/2014/main" id="{9653DEAF-0910-48E8-8375-9FC078E9D0D6}"/>
               </a:ext>
             </a:extLst>
           </p:cNvPr>
@@ -5164,7 +5249,7 @@
             <p:cNvPr id="19" name="矩形: 圆角 14">
               <a:extLst>
                 <a:ext uri="{FF2B5EF4-FFF2-40B4-BE49-F238E27FC236}">
-                  <a16:creationId xmlns:a16="http://schemas.microsoft.com/office/drawing/2014/main" xmlns="" id="{CC29E14A-0550-4BFF-99D2-A94938E4EB84}"/>
+                  <a16:creationId xmlns="" xmlns:a16="http://schemas.microsoft.com/office/drawing/2014/main" id="{CC29E14A-0550-4BFF-99D2-A94938E4EB84}"/>
                 </a:ext>
               </a:extLst>
             </p:cNvPr>
@@ -5228,7 +5313,7 @@
             <p:cNvPr id="20" name="文本框 10">
               <a:extLst>
                 <a:ext uri="{FF2B5EF4-FFF2-40B4-BE49-F238E27FC236}">
-                  <a16:creationId xmlns:a16="http://schemas.microsoft.com/office/drawing/2014/main" xmlns="" id="{333307C3-A861-42E7-A2DA-6BAC1BCA9E3C}"/>
+                  <a16:creationId xmlns="" xmlns:a16="http://schemas.microsoft.com/office/drawing/2014/main" id="{333307C3-A861-42E7-A2DA-6BAC1BCA9E3C}"/>
                 </a:ext>
               </a:extLst>
             </p:cNvPr>
@@ -5321,7 +5406,7 @@
         <p:random/>
       </p:transition>
     </mc:Choice>
-    <mc:Fallback xmlns="" xmlns:a16="http://schemas.microsoft.com/office/drawing/2014/main">
+    <mc:Fallback xmlns:a16="http://schemas.microsoft.com/office/drawing/2014/main" xmlns="">
       <p:transition spd="slow" advTm="4078">
         <p:random/>
       </p:transition>
@@ -5778,7 +5863,7 @@
           <p:cNvPr id="7" name="组合 6">
             <a:extLst>
               <a:ext uri="{FF2B5EF4-FFF2-40B4-BE49-F238E27FC236}">
-                <a16:creationId xmlns:a16="http://schemas.microsoft.com/office/drawing/2014/main" xmlns="" id="{5016DF47-4C78-4917-983C-FFC43C3A22DB}"/>
+                <a16:creationId xmlns="" xmlns:a16="http://schemas.microsoft.com/office/drawing/2014/main" id="{5016DF47-4C78-4917-983C-FFC43C3A22DB}"/>
               </a:ext>
             </a:extLst>
           </p:cNvPr>
@@ -5798,7 +5883,7 @@
             <p:cNvPr id="4" name="文本框 3">
               <a:extLst>
                 <a:ext uri="{FF2B5EF4-FFF2-40B4-BE49-F238E27FC236}">
-                  <a16:creationId xmlns:a16="http://schemas.microsoft.com/office/drawing/2014/main" xmlns="" id="{09FE6907-8676-429A-9B5A-DC3FAFE110A8}"/>
+                  <a16:creationId xmlns="" xmlns:a16="http://schemas.microsoft.com/office/drawing/2014/main" id="{09FE6907-8676-429A-9B5A-DC3FAFE110A8}"/>
                 </a:ext>
               </a:extLst>
             </p:cNvPr>
@@ -5840,7 +5925,7 @@
             <p:cNvPr id="6" name="文本框 5">
               <a:extLst>
                 <a:ext uri="{FF2B5EF4-FFF2-40B4-BE49-F238E27FC236}">
-                  <a16:creationId xmlns:a16="http://schemas.microsoft.com/office/drawing/2014/main" xmlns="" id="{6123FD62-F930-464F-86A1-4D1030B58358}"/>
+                  <a16:creationId xmlns="" xmlns:a16="http://schemas.microsoft.com/office/drawing/2014/main" id="{6123FD62-F930-464F-86A1-4D1030B58358}"/>
                 </a:ext>
               </a:extLst>
             </p:cNvPr>
@@ -5897,7 +5982,7 @@
           <p:cNvPr id="8" name="文本框 7">
             <a:extLst>
               <a:ext uri="{FF2B5EF4-FFF2-40B4-BE49-F238E27FC236}">
-                <a16:creationId xmlns:a16="http://schemas.microsoft.com/office/drawing/2014/main" xmlns="" id="{61D68AC2-6217-4618-9FF2-2840E7AAD8C2}"/>
+                <a16:creationId xmlns="" xmlns:a16="http://schemas.microsoft.com/office/drawing/2014/main" id="{61D68AC2-6217-4618-9FF2-2840E7AAD8C2}"/>
               </a:ext>
             </a:extLst>
           </p:cNvPr>
@@ -5907,7 +5992,7 @@
         <p:spPr>
           <a:xfrm>
             <a:off x="213983" y="2681640"/>
-            <a:ext cx="6480116" cy="400110"/>
+            <a:ext cx="6480116" cy="1015663"/>
           </a:xfrm>
           <a:prstGeom prst="rect">
             <a:avLst/>
@@ -5952,6 +6037,54 @@
               </a:rPr>
               <a:t>)</a:t>
             </a:r>
+          </a:p>
+          <a:p>
+            <a:pPr marL="342900" indent="-342900">
+              <a:buFont typeface="Wingdings" panose="05000000000000000000" pitchFamily="2" charset="2"/>
+              <a:buChar char="l"/>
+            </a:pPr>
+            <a:endParaRPr lang="en-US" altLang="zh-TW" sz="2000" spc="400" dirty="0">
+              <a:cs typeface="+mn-ea"/>
+              <a:sym typeface="+mn-lt"/>
+            </a:endParaRPr>
+          </a:p>
+          <a:p>
+            <a:pPr marL="342900" indent="-342900">
+              <a:buFont typeface="Wingdings" panose="05000000000000000000" pitchFamily="2" charset="2"/>
+              <a:buChar char="l"/>
+            </a:pPr>
+            <a:r>
+              <a:rPr lang="zh-TW" altLang="en-US" sz="2000" spc="400" dirty="0" smtClean="0">
+                <a:cs typeface="+mn-ea"/>
+                <a:sym typeface="+mn-lt"/>
+              </a:rPr>
+              <a:t>修改程式 讓</a:t>
+            </a:r>
+            <a:r>
+              <a:rPr lang="en-US" altLang="zh-TW" sz="2000" spc="400" dirty="0" smtClean="0">
+                <a:cs typeface="+mn-ea"/>
+                <a:sym typeface="+mn-lt"/>
+              </a:rPr>
+              <a:t>T01</a:t>
+            </a:r>
+            <a:r>
+              <a:rPr lang="zh-TW" altLang="en-US" sz="2000" spc="400" dirty="0" smtClean="0">
+                <a:cs typeface="+mn-ea"/>
+                <a:sym typeface="+mn-lt"/>
+              </a:rPr>
+              <a:t>也可以存入</a:t>
+            </a:r>
+            <a:r>
+              <a:rPr lang="en-US" altLang="zh-TW" sz="2000" spc="400" dirty="0" smtClean="0">
+                <a:cs typeface="+mn-ea"/>
+                <a:sym typeface="+mn-lt"/>
+              </a:rPr>
+              <a:t>excel</a:t>
+            </a:r>
+            <a:endParaRPr lang="en-US" altLang="zh-TW" sz="2000" spc="400" dirty="0" smtClean="0">
+              <a:cs typeface="+mn-ea"/>
+              <a:sym typeface="+mn-lt"/>
+            </a:endParaRPr>
           </a:p>
         </p:txBody>
       </p:sp>
@@ -6004,7 +6137,7 @@
         <p:random/>
       </p:transition>
     </mc:Choice>
-    <mc:Fallback xmlns="" xmlns:a16="http://schemas.microsoft.com/office/drawing/2014/main" xmlns:a14="http://schemas.microsoft.com/office/drawing/2010/main">
+    <mc:Fallback xmlns:a14="http://schemas.microsoft.com/office/drawing/2010/main" xmlns:a16="http://schemas.microsoft.com/office/drawing/2014/main" xmlns="">
       <p:transition spd="slow" advTm="4024">
         <p:random/>
       </p:transition>
@@ -6174,7 +6307,7 @@
           <p:cNvPr id="2" name="矩形 1">
             <a:extLst>
               <a:ext uri="{FF2B5EF4-FFF2-40B4-BE49-F238E27FC236}">
-                <a16:creationId xmlns:a16="http://schemas.microsoft.com/office/drawing/2014/main" xmlns="" id="{6130B33B-FCB5-4AFA-8175-BA08126D80E1}"/>
+                <a16:creationId xmlns="" xmlns:a16="http://schemas.microsoft.com/office/drawing/2014/main" id="{6130B33B-FCB5-4AFA-8175-BA08126D80E1}"/>
               </a:ext>
             </a:extLst>
           </p:cNvPr>
@@ -6232,7 +6365,7 @@
           <p:cNvPr id="3" name="组合 2">
             <a:extLst>
               <a:ext uri="{FF2B5EF4-FFF2-40B4-BE49-F238E27FC236}">
-                <a16:creationId xmlns:a16="http://schemas.microsoft.com/office/drawing/2014/main" xmlns="" id="{CF3B8F59-C87E-48F7-911B-3FCC3B1922F9}"/>
+                <a16:creationId xmlns="" xmlns:a16="http://schemas.microsoft.com/office/drawing/2014/main" id="{CF3B8F59-C87E-48F7-911B-3FCC3B1922F9}"/>
               </a:ext>
             </a:extLst>
           </p:cNvPr>
@@ -6252,7 +6385,7 @@
             <p:cNvPr id="4" name="文本框 3">
               <a:extLst>
                 <a:ext uri="{FF2B5EF4-FFF2-40B4-BE49-F238E27FC236}">
-                  <a16:creationId xmlns:a16="http://schemas.microsoft.com/office/drawing/2014/main" xmlns="" id="{F069F7C5-7C6B-4416-BA43-7E9FF2B95F70}"/>
+                  <a16:creationId xmlns="" xmlns:a16="http://schemas.microsoft.com/office/drawing/2014/main" id="{F069F7C5-7C6B-4416-BA43-7E9FF2B95F70}"/>
                 </a:ext>
               </a:extLst>
             </p:cNvPr>
@@ -6301,7 +6434,7 @@
             <p:cNvPr id="5" name="文本框 4">
               <a:extLst>
                 <a:ext uri="{FF2B5EF4-FFF2-40B4-BE49-F238E27FC236}">
-                  <a16:creationId xmlns:a16="http://schemas.microsoft.com/office/drawing/2014/main" xmlns="" id="{E7404F6D-3A40-4203-8F0A-6169C74FB4CA}"/>
+                  <a16:creationId xmlns="" xmlns:a16="http://schemas.microsoft.com/office/drawing/2014/main" id="{E7404F6D-3A40-4203-8F0A-6169C74FB4CA}"/>
                 </a:ext>
               </a:extLst>
             </p:cNvPr>
@@ -6636,10 +6769,472 @@
       </p:grpSpPr>
       <p:sp>
         <p:nvSpPr>
+          <p:cNvPr id="2" name="矩形 1">
+            <a:extLst>
+              <a:ext uri="{FF2B5EF4-FFF2-40B4-BE49-F238E27FC236}">
+                <a16:creationId xmlns="" xmlns:a16="http://schemas.microsoft.com/office/drawing/2014/main" id="{6130B33B-FCB5-4AFA-8175-BA08126D80E1}"/>
+              </a:ext>
+            </a:extLst>
+          </p:cNvPr>
+          <p:cNvSpPr/>
+          <p:nvPr/>
+        </p:nvSpPr>
+        <p:spPr>
+          <a:xfrm>
+            <a:off x="4942998" y="282051"/>
+            <a:ext cx="2133600" cy="228600"/>
+          </a:xfrm>
+          <a:prstGeom prst="rect">
+            <a:avLst/>
+          </a:prstGeom>
+          <a:solidFill>
+            <a:schemeClr val="tx1">
+              <a:lumMod val="75000"/>
+              <a:lumOff val="25000"/>
+            </a:schemeClr>
+          </a:solidFill>
+          <a:ln>
+            <a:noFill/>
+          </a:ln>
+        </p:spPr>
+        <p:style>
+          <a:lnRef idx="2">
+            <a:schemeClr val="accent1">
+              <a:shade val="50000"/>
+            </a:schemeClr>
+          </a:lnRef>
+          <a:fillRef idx="1">
+            <a:schemeClr val="accent1"/>
+          </a:fillRef>
+          <a:effectRef idx="0">
+            <a:schemeClr val="accent1"/>
+          </a:effectRef>
+          <a:fontRef idx="minor">
+            <a:schemeClr val="lt1"/>
+          </a:fontRef>
+        </p:style>
+        <p:txBody>
+          <a:bodyPr rtlCol="0" anchor="ctr"/>
+          <a:lstStyle/>
+          <a:p>
+            <a:pPr algn="ctr"/>
+            <a:endParaRPr lang="zh-CN" altLang="en-US">
+              <a:cs typeface="+mn-ea"/>
+              <a:sym typeface="+mn-lt"/>
+            </a:endParaRPr>
+          </a:p>
+        </p:txBody>
+      </p:sp>
+      <p:grpSp>
+        <p:nvGrpSpPr>
+          <p:cNvPr id="3" name="组合 2">
+            <a:extLst>
+              <a:ext uri="{FF2B5EF4-FFF2-40B4-BE49-F238E27FC236}">
+                <a16:creationId xmlns="" xmlns:a16="http://schemas.microsoft.com/office/drawing/2014/main" id="{CF3B8F59-C87E-48F7-911B-3FCC3B1922F9}"/>
+              </a:ext>
+            </a:extLst>
+          </p:cNvPr>
+          <p:cNvGrpSpPr/>
+          <p:nvPr/>
+        </p:nvGrpSpPr>
+        <p:grpSpPr>
+          <a:xfrm>
+            <a:off x="3243532" y="558999"/>
+            <a:ext cx="7582622" cy="976560"/>
+            <a:chOff x="600082" y="1991897"/>
+            <a:chExt cx="4412333" cy="1083520"/>
+          </a:xfrm>
+        </p:grpSpPr>
+        <p:sp>
+          <p:nvSpPr>
+            <p:cNvPr id="4" name="文本框 3">
+              <a:extLst>
+                <a:ext uri="{FF2B5EF4-FFF2-40B4-BE49-F238E27FC236}">
+                  <a16:creationId xmlns="" xmlns:a16="http://schemas.microsoft.com/office/drawing/2014/main" id="{F069F7C5-7C6B-4416-BA43-7E9FF2B95F70}"/>
+                </a:ext>
+              </a:extLst>
+            </p:cNvPr>
+            <p:cNvSpPr txBox="1"/>
+            <p:nvPr/>
+          </p:nvSpPr>
+          <p:spPr>
+            <a:xfrm>
+              <a:off x="600082" y="1991897"/>
+              <a:ext cx="4412333" cy="785419"/>
+            </a:xfrm>
+            <a:prstGeom prst="rect">
+              <a:avLst/>
+            </a:prstGeom>
+            <a:noFill/>
+          </p:spPr>
+          <p:txBody>
+            <a:bodyPr wrap="square" rtlCol="0">
+              <a:spAutoFit/>
+            </a:bodyPr>
+            <a:lstStyle/>
+            <a:p>
+              <a:r>
+                <a:rPr lang="en-US" altLang="zh-TW" sz="4000" spc="400" dirty="0" smtClean="0">
+                  <a:cs typeface="+mn-ea"/>
+                  <a:sym typeface="+mn-lt"/>
+                </a:rPr>
+                <a:t>T01</a:t>
+              </a:r>
+              <a:r>
+                <a:rPr lang="zh-TW" altLang="en-US" sz="4000" spc="400" dirty="0">
+                  <a:cs typeface="+mn-ea"/>
+                  <a:sym typeface="+mn-lt"/>
+                </a:rPr>
+                <a:t>也可以存入</a:t>
+              </a:r>
+              <a:r>
+                <a:rPr lang="en-US" altLang="zh-TW" sz="4000" spc="400" dirty="0">
+                  <a:cs typeface="+mn-ea"/>
+                  <a:sym typeface="+mn-lt"/>
+                </a:rPr>
+                <a:t>excel</a:t>
+              </a:r>
+            </a:p>
+          </p:txBody>
+        </p:sp>
+        <p:sp>
+          <p:nvSpPr>
+            <p:cNvPr id="5" name="文本框 4">
+              <a:extLst>
+                <a:ext uri="{FF2B5EF4-FFF2-40B4-BE49-F238E27FC236}">
+                  <a16:creationId xmlns="" xmlns:a16="http://schemas.microsoft.com/office/drawing/2014/main" id="{E7404F6D-3A40-4203-8F0A-6169C74FB4CA}"/>
+                </a:ext>
+              </a:extLst>
+            </p:cNvPr>
+            <p:cNvSpPr txBox="1"/>
+            <p:nvPr/>
+          </p:nvSpPr>
+          <p:spPr>
+            <a:xfrm>
+              <a:off x="793749" y="2699782"/>
+              <a:ext cx="2832050" cy="375635"/>
+            </a:xfrm>
+            <a:prstGeom prst="rect">
+              <a:avLst/>
+            </a:prstGeom>
+            <a:noFill/>
+          </p:spPr>
+          <p:txBody>
+            <a:bodyPr wrap="square">
+              <a:spAutoFit/>
+            </a:bodyPr>
+            <a:lstStyle/>
+            <a:p>
+              <a:pPr algn="ctr"/>
+              <a:r>
+                <a:rPr lang="en-US" altLang="zh-TW" sz="1600" dirty="0">
+                  <a:cs typeface="+mn-ea"/>
+                  <a:sym typeface="+mn-lt"/>
+                </a:rPr>
+                <a:t>Project </a:t>
+              </a:r>
+              <a:r>
+                <a:rPr lang="en-US" altLang="zh-TW" sz="1600" dirty="0" smtClean="0">
+                  <a:cs typeface="+mn-ea"/>
+                  <a:sym typeface="+mn-lt"/>
+                </a:rPr>
+                <a:t>planning</a:t>
+              </a:r>
+              <a:endParaRPr lang="zh-CN" altLang="en-US" sz="1600" dirty="0">
+                <a:cs typeface="+mn-ea"/>
+                <a:sym typeface="+mn-lt"/>
+              </a:endParaRPr>
+            </a:p>
+          </p:txBody>
+        </p:sp>
+      </p:grpSp>
+      <p:pic>
+        <p:nvPicPr>
+          <p:cNvPr id="1027" name="Picture 3"/>
+          <p:cNvPicPr>
+            <a:picLocks noChangeAspect="1" noChangeArrowheads="1"/>
+          </p:cNvPicPr>
+          <p:nvPr/>
+        </p:nvPicPr>
+        <p:blipFill>
+          <a:blip r:embed="rId3">
+            <a:extLst>
+              <a:ext uri="{28A0092B-C50C-407E-A947-70E740481C1C}">
+                <a14:useLocalDpi xmlns:a14="http://schemas.microsoft.com/office/drawing/2010/main" val="0"/>
+              </a:ext>
+            </a:extLst>
+          </a:blip>
+          <a:srcRect/>
+          <a:stretch>
+            <a:fillRect/>
+          </a:stretch>
+        </p:blipFill>
+        <p:spPr bwMode="auto">
+          <a:xfrm>
+            <a:off x="922426" y="1749669"/>
+            <a:ext cx="10360926" cy="4950761"/>
+          </a:xfrm>
+          <a:prstGeom prst="rect">
+            <a:avLst/>
+          </a:prstGeom>
+          <a:noFill/>
+          <a:ln>
+            <a:noFill/>
+          </a:ln>
+          <a:extLst>
+            <a:ext uri="{909E8E84-426E-40DD-AFC4-6F175D3DCCD1}">
+              <a14:hiddenFill xmlns:a14="http://schemas.microsoft.com/office/drawing/2010/main">
+                <a:solidFill>
+                  <a:schemeClr val="accent1"/>
+                </a:solidFill>
+              </a14:hiddenFill>
+            </a:ext>
+            <a:ext uri="{91240B29-F687-4F45-9708-019B960494DF}">
+              <a14:hiddenLine xmlns:a14="http://schemas.microsoft.com/office/drawing/2010/main" w="9525">
+                <a:solidFill>
+                  <a:schemeClr val="tx1"/>
+                </a:solidFill>
+                <a:miter lim="800000"/>
+                <a:headEnd/>
+                <a:tailEnd/>
+              </a14:hiddenLine>
+            </a:ext>
+          </a:extLst>
+        </p:spPr>
+      </p:pic>
+      <p:sp>
+        <p:nvSpPr>
+          <p:cNvPr id="9" name="矩形 8"/>
+          <p:cNvSpPr/>
+          <p:nvPr/>
+        </p:nvSpPr>
+        <p:spPr>
+          <a:xfrm>
+            <a:off x="8324491" y="2355011"/>
+            <a:ext cx="1009290" cy="4114800"/>
+          </a:xfrm>
+          <a:prstGeom prst="rect">
+            <a:avLst/>
+          </a:prstGeom>
+          <a:noFill/>
+          <a:ln w="57150">
+            <a:solidFill>
+              <a:srgbClr val="FF0000"/>
+            </a:solidFill>
+          </a:ln>
+        </p:spPr>
+        <p:style>
+          <a:lnRef idx="2">
+            <a:schemeClr val="accent1">
+              <a:shade val="50000"/>
+            </a:schemeClr>
+          </a:lnRef>
+          <a:fillRef idx="1">
+            <a:schemeClr val="accent1"/>
+          </a:fillRef>
+          <a:effectRef idx="0">
+            <a:schemeClr val="accent1"/>
+          </a:effectRef>
+          <a:fontRef idx="minor">
+            <a:schemeClr val="lt1"/>
+          </a:fontRef>
+        </p:style>
+        <p:txBody>
+          <a:bodyPr rtlCol="0" anchor="ctr"/>
+          <a:lstStyle/>
+          <a:p>
+            <a:pPr algn="ctr"/>
+            <a:endParaRPr lang="zh-TW" altLang="en-US"/>
+          </a:p>
+        </p:txBody>
+      </p:sp>
+    </p:spTree>
+    <p:extLst>
+      <p:ext uri="{BB962C8B-B14F-4D97-AF65-F5344CB8AC3E}">
+        <p14:creationId xmlns:p14="http://schemas.microsoft.com/office/powerpoint/2010/main" val="1204299955"/>
+      </p:ext>
+    </p:extLst>
+  </p:cSld>
+  <p:clrMapOvr>
+    <a:masterClrMapping/>
+  </p:clrMapOvr>
+  <mc:AlternateContent xmlns:mc="http://schemas.openxmlformats.org/markup-compatibility/2006" xmlns:p14="http://schemas.microsoft.com/office/powerpoint/2010/main">
+    <mc:Choice Requires="p14">
+      <p:transition spd="slow" p14:dur="1500">
+        <p:random/>
+      </p:transition>
+    </mc:Choice>
+    <mc:Fallback xmlns="">
+      <p:transition spd="slow">
+        <p:random/>
+      </p:transition>
+    </mc:Fallback>
+  </mc:AlternateContent>
+  <p:timing>
+    <p:tnLst>
+      <p:par>
+        <p:cTn id="1" dur="indefinite" restart="never" nodeType="tmRoot">
+          <p:childTnLst>
+            <p:seq concurrent="1" nextAc="seek">
+              <p:cTn id="2" dur="indefinite" nodeType="mainSeq">
+                <p:childTnLst>
+                  <p:par>
+                    <p:cTn id="3" fill="hold">
+                      <p:stCondLst>
+                        <p:cond delay="indefinite"/>
+                      </p:stCondLst>
+                      <p:childTnLst>
+                        <p:par>
+                          <p:cTn id="4" fill="hold">
+                            <p:stCondLst>
+                              <p:cond delay="0"/>
+                            </p:stCondLst>
+                            <p:childTnLst>
+                              <p:par>
+                                <p:cTn id="5" presetID="16" presetClass="entr" presetSubtype="37" fill="hold" grpId="0" nodeType="clickEffect">
+                                  <p:stCondLst>
+                                    <p:cond delay="0"/>
+                                  </p:stCondLst>
+                                  <p:childTnLst>
+                                    <p:set>
+                                      <p:cBhvr>
+                                        <p:cTn id="6" dur="1" fill="hold">
+                                          <p:stCondLst>
+                                            <p:cond delay="0"/>
+                                          </p:stCondLst>
+                                        </p:cTn>
+                                        <p:tgtEl>
+                                          <p:spTgt spid="2"/>
+                                        </p:tgtEl>
+                                        <p:attrNameLst>
+                                          <p:attrName>style.visibility</p:attrName>
+                                        </p:attrNameLst>
+                                      </p:cBhvr>
+                                      <p:to>
+                                        <p:strVal val="visible"/>
+                                      </p:to>
+                                    </p:set>
+                                    <p:animEffect transition="in" filter="barn(outVertical)">
+                                      <p:cBhvr>
+                                        <p:cTn id="7" dur="500"/>
+                                        <p:tgtEl>
+                                          <p:spTgt spid="2"/>
+                                        </p:tgtEl>
+                                      </p:cBhvr>
+                                    </p:animEffect>
+                                  </p:childTnLst>
+                                </p:cTn>
+                              </p:par>
+                            </p:childTnLst>
+                          </p:cTn>
+                        </p:par>
+                      </p:childTnLst>
+                    </p:cTn>
+                  </p:par>
+                  <p:par>
+                    <p:cTn id="8" fill="hold">
+                      <p:stCondLst>
+                        <p:cond delay="indefinite"/>
+                      </p:stCondLst>
+                      <p:childTnLst>
+                        <p:par>
+                          <p:cTn id="9" fill="hold">
+                            <p:stCondLst>
+                              <p:cond delay="0"/>
+                            </p:stCondLst>
+                            <p:childTnLst>
+                              <p:par>
+                                <p:cTn id="10" presetID="22" presetClass="entr" presetSubtype="8" fill="hold" nodeType="clickEffect">
+                                  <p:stCondLst>
+                                    <p:cond delay="0"/>
+                                  </p:stCondLst>
+                                  <p:childTnLst>
+                                    <p:set>
+                                      <p:cBhvr>
+                                        <p:cTn id="11" dur="1" fill="hold">
+                                          <p:stCondLst>
+                                            <p:cond delay="0"/>
+                                          </p:stCondLst>
+                                        </p:cTn>
+                                        <p:tgtEl>
+                                          <p:spTgt spid="3"/>
+                                        </p:tgtEl>
+                                        <p:attrNameLst>
+                                          <p:attrName>style.visibility</p:attrName>
+                                        </p:attrNameLst>
+                                      </p:cBhvr>
+                                      <p:to>
+                                        <p:strVal val="visible"/>
+                                      </p:to>
+                                    </p:set>
+                                    <p:animEffect transition="in" filter="wipe(left)">
+                                      <p:cBhvr>
+                                        <p:cTn id="12" dur="500"/>
+                                        <p:tgtEl>
+                                          <p:spTgt spid="3"/>
+                                        </p:tgtEl>
+                                      </p:cBhvr>
+                                    </p:animEffect>
+                                  </p:childTnLst>
+                                </p:cTn>
+                              </p:par>
+                            </p:childTnLst>
+                          </p:cTn>
+                        </p:par>
+                      </p:childTnLst>
+                    </p:cTn>
+                  </p:par>
+                </p:childTnLst>
+              </p:cTn>
+              <p:prevCondLst>
+                <p:cond evt="onPrev" delay="0">
+                  <p:tgtEl>
+                    <p:sldTgt/>
+                  </p:tgtEl>
+                </p:cond>
+              </p:prevCondLst>
+              <p:nextCondLst>
+                <p:cond evt="onNext" delay="0">
+                  <p:tgtEl>
+                    <p:sldTgt/>
+                  </p:tgtEl>
+                </p:cond>
+              </p:nextCondLst>
+            </p:seq>
+          </p:childTnLst>
+        </p:cTn>
+      </p:par>
+    </p:tnLst>
+    <p:bldLst>
+      <p:bldP spid="2" grpId="0" animBg="1"/>
+    </p:bldLst>
+  </p:timing>
+</p:sld>
+</file>
+
+<file path=ppt/slides/slide5.xml><?xml version="1.0" encoding="utf-8"?>
+<p:sld xmlns:a="http://schemas.openxmlformats.org/drawingml/2006/main" xmlns:r="http://schemas.openxmlformats.org/officeDocument/2006/relationships" xmlns:p="http://schemas.openxmlformats.org/presentationml/2006/main">
+  <p:cSld>
+    <p:spTree>
+      <p:nvGrpSpPr>
+        <p:cNvPr id="1" name=""/>
+        <p:cNvGrpSpPr/>
+        <p:nvPr/>
+      </p:nvGrpSpPr>
+      <p:grpSpPr>
+        <a:xfrm>
+          <a:off x="0" y="0"/>
+          <a:ext cx="0" cy="0"/>
+          <a:chOff x="0" y="0"/>
+          <a:chExt cx="0" cy="0"/>
+        </a:xfrm>
+      </p:grpSpPr>
+      <p:sp>
+        <p:nvSpPr>
           <p:cNvPr id="18" name="矩形: 圆角 17">
             <a:extLst>
               <a:ext uri="{FF2B5EF4-FFF2-40B4-BE49-F238E27FC236}">
-                <a16:creationId xmlns:a16="http://schemas.microsoft.com/office/drawing/2014/main" xmlns="" id="{822EAB1A-0613-4B84-B43A-020769A84C2F}"/>
+                <a16:creationId xmlns="" xmlns:a16="http://schemas.microsoft.com/office/drawing/2014/main" id="{822EAB1A-0613-4B84-B43A-020769A84C2F}"/>
               </a:ext>
             </a:extLst>
           </p:cNvPr>
@@ -6730,7 +7325,7 @@
           <p:cNvPr id="4" name="矩形: 圆角 3">
             <a:extLst>
               <a:ext uri="{FF2B5EF4-FFF2-40B4-BE49-F238E27FC236}">
-                <a16:creationId xmlns:a16="http://schemas.microsoft.com/office/drawing/2014/main" xmlns="" id="{CFAF4C25-9AB4-4329-B21C-0F7CB88F0784}"/>
+                <a16:creationId xmlns="" xmlns:a16="http://schemas.microsoft.com/office/drawing/2014/main" id="{CFAF4C25-9AB4-4329-B21C-0F7CB88F0784}"/>
               </a:ext>
             </a:extLst>
           </p:cNvPr>
@@ -6821,7 +7416,7 @@
           <p:cNvPr id="7" name="文本框 6">
             <a:extLst>
               <a:ext uri="{FF2B5EF4-FFF2-40B4-BE49-F238E27FC236}">
-                <a16:creationId xmlns:a16="http://schemas.microsoft.com/office/drawing/2014/main" xmlns="" id="{D2947702-0219-4F74-958A-0A5A704ECCC4}"/>
+                <a16:creationId xmlns="" xmlns:a16="http://schemas.microsoft.com/office/drawing/2014/main" id="{D2947702-0219-4F74-958A-0A5A704ECCC4}"/>
               </a:ext>
             </a:extLst>
           </p:cNvPr>
@@ -6898,7 +7493,7 @@
           <p:cNvPr id="8" name="椭圆 7">
             <a:extLst>
               <a:ext uri="{FF2B5EF4-FFF2-40B4-BE49-F238E27FC236}">
-                <a16:creationId xmlns:a16="http://schemas.microsoft.com/office/drawing/2014/main" xmlns="" id="{08B93554-9443-4291-83BC-91BEC5088783}"/>
+                <a16:creationId xmlns="" xmlns:a16="http://schemas.microsoft.com/office/drawing/2014/main" id="{08B93554-9443-4291-83BC-91BEC5088783}"/>
               </a:ext>
             </a:extLst>
           </p:cNvPr>
@@ -6985,7 +7580,7 @@
           <p:cNvPr id="9" name="椭圆 8">
             <a:extLst>
               <a:ext uri="{FF2B5EF4-FFF2-40B4-BE49-F238E27FC236}">
-                <a16:creationId xmlns:a16="http://schemas.microsoft.com/office/drawing/2014/main" xmlns="" id="{16338DEE-2916-4AC7-A537-1507B9F2A824}"/>
+                <a16:creationId xmlns="" xmlns:a16="http://schemas.microsoft.com/office/drawing/2014/main" id="{16338DEE-2916-4AC7-A537-1507B9F2A824}"/>
               </a:ext>
             </a:extLst>
           </p:cNvPr>
@@ -7086,7 +7681,7 @@
         <p:random/>
       </p:transition>
     </mc:Choice>
-    <mc:Fallback xmlns="" xmlns:a16="http://schemas.microsoft.com/office/drawing/2014/main">
+    <mc:Fallback xmlns:a16="http://schemas.microsoft.com/office/drawing/2014/main" xmlns="">
       <p:transition spd="slow" advTm="3880">
         <p:random/>
       </p:transition>
@@ -7440,7 +8035,7 @@
   <a:extraClrSchemeLst/>
   <a:extLst>
     <a:ext uri="{05A4C25C-085E-4340-85A3-A5531E510DB2}">
-      <thm15:themeFamily xmlns:thm15="http://schemas.microsoft.com/office/thememl/2012/main" xmlns="" name="Office Theme" id="{62F939B6-93AF-4DB8-9C6B-D6C7DFDC589F}" vid="{4A3C46E8-61CC-4603-A589-7422A47A8E4A}"/>
+      <thm15:themeFamily xmlns="" xmlns:thm15="http://schemas.microsoft.com/office/thememl/2012/main" name="Office Theme" id="{62F939B6-93AF-4DB8-9C6B-D6C7DFDC589F}" vid="{4A3C46E8-61CC-4603-A589-7422A47A8E4A}"/>
     </a:ext>
   </a:extLst>
 </a:theme>
@@ -7986,7 +8581,7 @@
   <a:extraClrSchemeLst/>
   <a:extLst>
     <a:ext uri="{05A4C25C-085E-4340-85A3-A5531E510DB2}">
-      <thm15:themeFamily xmlns:thm15="http://schemas.microsoft.com/office/thememl/2012/main" xmlns="" name="Office Theme" id="{62F939B6-93AF-4DB8-9C6B-D6C7DFDC589F}" vid="{4A3C46E8-61CC-4603-A589-7422A47A8E4A}"/>
+      <thm15:themeFamily xmlns="" xmlns:thm15="http://schemas.microsoft.com/office/thememl/2012/main" name="Office Theme" id="{62F939B6-93AF-4DB8-9C6B-D6C7DFDC589F}" vid="{4A3C46E8-61CC-4603-A589-7422A47A8E4A}"/>
     </a:ext>
   </a:extLst>
 </a:theme>
